--- a/ppt 16-9/1484.背道的儿女啊.pptx
+++ b/ppt 16-9/1484.背道的儿女啊.pptx
@@ -129,7 +129,7 @@
           <p:cNvPr id="2" name="标题 1">
             <a:extLst>
               <a:ext uri="{FF2B5EF4-FFF2-40B4-BE49-F238E27FC236}">
-                <a16:creationId xmlns:a16="http://schemas.microsoft.com/office/drawing/2014/main" id="{D13CBF1D-5494-796E-5905-ECA10DB308ED}"/>
+                <a16:creationId xmlns:a16="http://schemas.microsoft.com/office/drawing/2014/main" id="{AAECCAF4-BFEA-A17F-D132-8AD759D7A22E}"/>
               </a:ext>
             </a:extLst>
           </p:cNvPr>
@@ -166,7 +166,7 @@
           <p:cNvPr id="3" name="副标题 2">
             <a:extLst>
               <a:ext uri="{FF2B5EF4-FFF2-40B4-BE49-F238E27FC236}">
-                <a16:creationId xmlns:a16="http://schemas.microsoft.com/office/drawing/2014/main" id="{F55CDC0E-1782-BB24-3E3C-C9E215B8959D}"/>
+                <a16:creationId xmlns:a16="http://schemas.microsoft.com/office/drawing/2014/main" id="{D245FF66-8743-64FB-8C8B-02966CACCBFA}"/>
               </a:ext>
             </a:extLst>
           </p:cNvPr>
@@ -236,7 +236,7 @@
           <p:cNvPr id="4" name="日期占位符 3">
             <a:extLst>
               <a:ext uri="{FF2B5EF4-FFF2-40B4-BE49-F238E27FC236}">
-                <a16:creationId xmlns:a16="http://schemas.microsoft.com/office/drawing/2014/main" id="{C3BEB646-A8E8-EE1E-623D-5C3E379A817B}"/>
+                <a16:creationId xmlns:a16="http://schemas.microsoft.com/office/drawing/2014/main" id="{47582019-2310-9A5D-39E1-42F51A7FAB44}"/>
               </a:ext>
             </a:extLst>
           </p:cNvPr>
@@ -252,7 +252,7 @@
           <a:bodyPr/>
           <a:lstStyle/>
           <a:p>
-            <a:fld id="{F584C7D0-29D2-4B62-B399-2941E5CE69C8}" type="datetimeFigureOut">
+            <a:fld id="{80D721B4-9A0C-442B-A086-79C6C7DABC7B}" type="datetimeFigureOut">
               <a:rPr lang="zh-CN" altLang="en-US" smtClean="0"/>
               <a:t>2024/3/10</a:t>
             </a:fld>
@@ -265,7 +265,7 @@
           <p:cNvPr id="5" name="页脚占位符 4">
             <a:extLst>
               <a:ext uri="{FF2B5EF4-FFF2-40B4-BE49-F238E27FC236}">
-                <a16:creationId xmlns:a16="http://schemas.microsoft.com/office/drawing/2014/main" id="{397E6FD8-B6E8-A147-647F-DC85BDB3A777}"/>
+                <a16:creationId xmlns:a16="http://schemas.microsoft.com/office/drawing/2014/main" id="{95091954-7EDB-07A4-437D-F1873640A27C}"/>
               </a:ext>
             </a:extLst>
           </p:cNvPr>
@@ -290,7 +290,7 @@
           <p:cNvPr id="6" name="灯片编号占位符 5">
             <a:extLst>
               <a:ext uri="{FF2B5EF4-FFF2-40B4-BE49-F238E27FC236}">
-                <a16:creationId xmlns:a16="http://schemas.microsoft.com/office/drawing/2014/main" id="{72112F20-51F6-B0C2-B79F-9D3D60D4FE29}"/>
+                <a16:creationId xmlns:a16="http://schemas.microsoft.com/office/drawing/2014/main" id="{46D6441C-A258-7339-06A2-C879DD1016A6}"/>
               </a:ext>
             </a:extLst>
           </p:cNvPr>
@@ -306,7 +306,7 @@
           <a:bodyPr/>
           <a:lstStyle/>
           <a:p>
-            <a:fld id="{69AC22DC-E6EF-4EA9-B86D-A61A9857369C}" type="slidenum">
+            <a:fld id="{CC3EAC54-34B1-4DB3-A1EF-0AFAA5CE104B}" type="slidenum">
               <a:rPr lang="zh-CN" altLang="en-US" smtClean="0"/>
               <a:t>‹#›</a:t>
             </a:fld>
@@ -317,7 +317,7 @@
     </p:spTree>
     <p:extLst>
       <p:ext uri="{BB962C8B-B14F-4D97-AF65-F5344CB8AC3E}">
-        <p14:creationId xmlns:p14="http://schemas.microsoft.com/office/powerpoint/2010/main" val="756232064"/>
+        <p14:creationId xmlns:p14="http://schemas.microsoft.com/office/powerpoint/2010/main" val="3598509130"/>
       </p:ext>
     </p:extLst>
   </p:cSld>
@@ -349,7 +349,7 @@
           <p:cNvPr id="2" name="标题 1">
             <a:extLst>
               <a:ext uri="{FF2B5EF4-FFF2-40B4-BE49-F238E27FC236}">
-                <a16:creationId xmlns:a16="http://schemas.microsoft.com/office/drawing/2014/main" id="{63D78C97-55FE-1723-55E3-532BA5B92E92}"/>
+                <a16:creationId xmlns:a16="http://schemas.microsoft.com/office/drawing/2014/main" id="{194F4D2A-F370-B36B-C491-32FD13FC73CE}"/>
               </a:ext>
             </a:extLst>
           </p:cNvPr>
@@ -377,7 +377,7 @@
           <p:cNvPr id="3" name="竖排文字占位符 2">
             <a:extLst>
               <a:ext uri="{FF2B5EF4-FFF2-40B4-BE49-F238E27FC236}">
-                <a16:creationId xmlns:a16="http://schemas.microsoft.com/office/drawing/2014/main" id="{1BBAB210-325E-701D-1025-47E9D49D07DE}"/>
+                <a16:creationId xmlns:a16="http://schemas.microsoft.com/office/drawing/2014/main" id="{E2C2C8FF-B928-87C5-84F9-E2D216481C60}"/>
               </a:ext>
             </a:extLst>
           </p:cNvPr>
@@ -434,7 +434,7 @@
           <p:cNvPr id="4" name="日期占位符 3">
             <a:extLst>
               <a:ext uri="{FF2B5EF4-FFF2-40B4-BE49-F238E27FC236}">
-                <a16:creationId xmlns:a16="http://schemas.microsoft.com/office/drawing/2014/main" id="{39CC283E-853D-06DD-D0CA-B2F21D435182}"/>
+                <a16:creationId xmlns:a16="http://schemas.microsoft.com/office/drawing/2014/main" id="{A847FD42-EDD1-4344-4E79-BE0FBF0E4FBB}"/>
               </a:ext>
             </a:extLst>
           </p:cNvPr>
@@ -450,7 +450,7 @@
           <a:bodyPr/>
           <a:lstStyle/>
           <a:p>
-            <a:fld id="{F584C7D0-29D2-4B62-B399-2941E5CE69C8}" type="datetimeFigureOut">
+            <a:fld id="{80D721B4-9A0C-442B-A086-79C6C7DABC7B}" type="datetimeFigureOut">
               <a:rPr lang="zh-CN" altLang="en-US" smtClean="0"/>
               <a:t>2024/3/10</a:t>
             </a:fld>
@@ -463,7 +463,7 @@
           <p:cNvPr id="5" name="页脚占位符 4">
             <a:extLst>
               <a:ext uri="{FF2B5EF4-FFF2-40B4-BE49-F238E27FC236}">
-                <a16:creationId xmlns:a16="http://schemas.microsoft.com/office/drawing/2014/main" id="{32A31123-49CC-DA07-219D-BC5CA6D80A45}"/>
+                <a16:creationId xmlns:a16="http://schemas.microsoft.com/office/drawing/2014/main" id="{900E1514-E9B5-3F5C-CCAE-387D68BC4E72}"/>
               </a:ext>
             </a:extLst>
           </p:cNvPr>
@@ -488,7 +488,7 @@
           <p:cNvPr id="6" name="灯片编号占位符 5">
             <a:extLst>
               <a:ext uri="{FF2B5EF4-FFF2-40B4-BE49-F238E27FC236}">
-                <a16:creationId xmlns:a16="http://schemas.microsoft.com/office/drawing/2014/main" id="{36D03526-2B1D-3706-04AD-CB014D61D1E5}"/>
+                <a16:creationId xmlns:a16="http://schemas.microsoft.com/office/drawing/2014/main" id="{2A2DA187-9586-DA28-87A2-D6054705AD96}"/>
               </a:ext>
             </a:extLst>
           </p:cNvPr>
@@ -504,7 +504,7 @@
           <a:bodyPr/>
           <a:lstStyle/>
           <a:p>
-            <a:fld id="{69AC22DC-E6EF-4EA9-B86D-A61A9857369C}" type="slidenum">
+            <a:fld id="{CC3EAC54-34B1-4DB3-A1EF-0AFAA5CE104B}" type="slidenum">
               <a:rPr lang="zh-CN" altLang="en-US" smtClean="0"/>
               <a:t>‹#›</a:t>
             </a:fld>
@@ -515,7 +515,7 @@
     </p:spTree>
     <p:extLst>
       <p:ext uri="{BB962C8B-B14F-4D97-AF65-F5344CB8AC3E}">
-        <p14:creationId xmlns:p14="http://schemas.microsoft.com/office/powerpoint/2010/main" val="2136412308"/>
+        <p14:creationId xmlns:p14="http://schemas.microsoft.com/office/powerpoint/2010/main" val="216941113"/>
       </p:ext>
     </p:extLst>
   </p:cSld>
@@ -547,7 +547,7 @@
           <p:cNvPr id="2" name="竖排标题 1">
             <a:extLst>
               <a:ext uri="{FF2B5EF4-FFF2-40B4-BE49-F238E27FC236}">
-                <a16:creationId xmlns:a16="http://schemas.microsoft.com/office/drawing/2014/main" id="{BEF0372A-69DC-6B25-379D-DE084D0AA02B}"/>
+                <a16:creationId xmlns:a16="http://schemas.microsoft.com/office/drawing/2014/main" id="{77380598-E8FD-2BDC-DDBD-DB8B330A904C}"/>
               </a:ext>
             </a:extLst>
           </p:cNvPr>
@@ -580,7 +580,7 @@
           <p:cNvPr id="3" name="竖排文字占位符 2">
             <a:extLst>
               <a:ext uri="{FF2B5EF4-FFF2-40B4-BE49-F238E27FC236}">
-                <a16:creationId xmlns:a16="http://schemas.microsoft.com/office/drawing/2014/main" id="{B1A4379D-97C4-3A40-826C-B68DA8F07BA8}"/>
+                <a16:creationId xmlns:a16="http://schemas.microsoft.com/office/drawing/2014/main" id="{A5F0DE4C-0282-6F78-713E-91F98C734E13}"/>
               </a:ext>
             </a:extLst>
           </p:cNvPr>
@@ -642,7 +642,7 @@
           <p:cNvPr id="4" name="日期占位符 3">
             <a:extLst>
               <a:ext uri="{FF2B5EF4-FFF2-40B4-BE49-F238E27FC236}">
-                <a16:creationId xmlns:a16="http://schemas.microsoft.com/office/drawing/2014/main" id="{B154C9B5-DD93-AFB9-E700-EE6285307D41}"/>
+                <a16:creationId xmlns:a16="http://schemas.microsoft.com/office/drawing/2014/main" id="{8B0F379D-E91B-437A-A76D-4F822668AA43}"/>
               </a:ext>
             </a:extLst>
           </p:cNvPr>
@@ -658,7 +658,7 @@
           <a:bodyPr/>
           <a:lstStyle/>
           <a:p>
-            <a:fld id="{F584C7D0-29D2-4B62-B399-2941E5CE69C8}" type="datetimeFigureOut">
+            <a:fld id="{80D721B4-9A0C-442B-A086-79C6C7DABC7B}" type="datetimeFigureOut">
               <a:rPr lang="zh-CN" altLang="en-US" smtClean="0"/>
               <a:t>2024/3/10</a:t>
             </a:fld>
@@ -671,7 +671,7 @@
           <p:cNvPr id="5" name="页脚占位符 4">
             <a:extLst>
               <a:ext uri="{FF2B5EF4-FFF2-40B4-BE49-F238E27FC236}">
-                <a16:creationId xmlns:a16="http://schemas.microsoft.com/office/drawing/2014/main" id="{67D973C4-C3DF-6364-1EFC-45BBB0B0E917}"/>
+                <a16:creationId xmlns:a16="http://schemas.microsoft.com/office/drawing/2014/main" id="{2E8BB418-A720-5665-17BF-DA3946A4700A}"/>
               </a:ext>
             </a:extLst>
           </p:cNvPr>
@@ -696,7 +696,7 @@
           <p:cNvPr id="6" name="灯片编号占位符 5">
             <a:extLst>
               <a:ext uri="{FF2B5EF4-FFF2-40B4-BE49-F238E27FC236}">
-                <a16:creationId xmlns:a16="http://schemas.microsoft.com/office/drawing/2014/main" id="{51661E10-407A-7BFC-041E-D41BB08DD639}"/>
+                <a16:creationId xmlns:a16="http://schemas.microsoft.com/office/drawing/2014/main" id="{9611A586-C5A9-330C-0BA5-FD316C99E08F}"/>
               </a:ext>
             </a:extLst>
           </p:cNvPr>
@@ -712,7 +712,7 @@
           <a:bodyPr/>
           <a:lstStyle/>
           <a:p>
-            <a:fld id="{69AC22DC-E6EF-4EA9-B86D-A61A9857369C}" type="slidenum">
+            <a:fld id="{CC3EAC54-34B1-4DB3-A1EF-0AFAA5CE104B}" type="slidenum">
               <a:rPr lang="zh-CN" altLang="en-US" smtClean="0"/>
               <a:t>‹#›</a:t>
             </a:fld>
@@ -723,7 +723,7 @@
     </p:spTree>
     <p:extLst>
       <p:ext uri="{BB962C8B-B14F-4D97-AF65-F5344CB8AC3E}">
-        <p14:creationId xmlns:p14="http://schemas.microsoft.com/office/powerpoint/2010/main" val="1435577595"/>
+        <p14:creationId xmlns:p14="http://schemas.microsoft.com/office/powerpoint/2010/main" val="2543938962"/>
       </p:ext>
     </p:extLst>
   </p:cSld>
@@ -755,7 +755,7 @@
           <p:cNvPr id="2" name="标题 1">
             <a:extLst>
               <a:ext uri="{FF2B5EF4-FFF2-40B4-BE49-F238E27FC236}">
-                <a16:creationId xmlns:a16="http://schemas.microsoft.com/office/drawing/2014/main" id="{C36189FF-CE70-6483-9E71-47F076C510AE}"/>
+                <a16:creationId xmlns:a16="http://schemas.microsoft.com/office/drawing/2014/main" id="{5B472733-C9CB-CAEE-79BD-E1CBC89F26C9}"/>
               </a:ext>
             </a:extLst>
           </p:cNvPr>
@@ -783,7 +783,7 @@
           <p:cNvPr id="3" name="内容占位符 2">
             <a:extLst>
               <a:ext uri="{FF2B5EF4-FFF2-40B4-BE49-F238E27FC236}">
-                <a16:creationId xmlns:a16="http://schemas.microsoft.com/office/drawing/2014/main" id="{0317DC8D-284E-CBAB-64E4-ED564926EB62}"/>
+                <a16:creationId xmlns:a16="http://schemas.microsoft.com/office/drawing/2014/main" id="{F935E111-9473-F68B-9D1F-F9872A251AD5}"/>
               </a:ext>
             </a:extLst>
           </p:cNvPr>
@@ -840,7 +840,7 @@
           <p:cNvPr id="4" name="日期占位符 3">
             <a:extLst>
               <a:ext uri="{FF2B5EF4-FFF2-40B4-BE49-F238E27FC236}">
-                <a16:creationId xmlns:a16="http://schemas.microsoft.com/office/drawing/2014/main" id="{E02658FC-D9F2-03BF-DCD1-3A6D7EBBBC5F}"/>
+                <a16:creationId xmlns:a16="http://schemas.microsoft.com/office/drawing/2014/main" id="{7AB59315-A4FF-FBED-3929-59462E1939E6}"/>
               </a:ext>
             </a:extLst>
           </p:cNvPr>
@@ -856,7 +856,7 @@
           <a:bodyPr/>
           <a:lstStyle/>
           <a:p>
-            <a:fld id="{F584C7D0-29D2-4B62-B399-2941E5CE69C8}" type="datetimeFigureOut">
+            <a:fld id="{80D721B4-9A0C-442B-A086-79C6C7DABC7B}" type="datetimeFigureOut">
               <a:rPr lang="zh-CN" altLang="en-US" smtClean="0"/>
               <a:t>2024/3/10</a:t>
             </a:fld>
@@ -869,7 +869,7 @@
           <p:cNvPr id="5" name="页脚占位符 4">
             <a:extLst>
               <a:ext uri="{FF2B5EF4-FFF2-40B4-BE49-F238E27FC236}">
-                <a16:creationId xmlns:a16="http://schemas.microsoft.com/office/drawing/2014/main" id="{2C2F6381-617C-DC7C-4AF1-22E07A8FABE9}"/>
+                <a16:creationId xmlns:a16="http://schemas.microsoft.com/office/drawing/2014/main" id="{A34D9A4C-6D10-E886-664C-F81F7F8A065E}"/>
               </a:ext>
             </a:extLst>
           </p:cNvPr>
@@ -894,7 +894,7 @@
           <p:cNvPr id="6" name="灯片编号占位符 5">
             <a:extLst>
               <a:ext uri="{FF2B5EF4-FFF2-40B4-BE49-F238E27FC236}">
-                <a16:creationId xmlns:a16="http://schemas.microsoft.com/office/drawing/2014/main" id="{554215A5-9B51-2409-C11D-90856D6C0203}"/>
+                <a16:creationId xmlns:a16="http://schemas.microsoft.com/office/drawing/2014/main" id="{0502445F-2B0D-C08D-11B5-29F2EC1ECE84}"/>
               </a:ext>
             </a:extLst>
           </p:cNvPr>
@@ -910,7 +910,7 @@
           <a:bodyPr/>
           <a:lstStyle/>
           <a:p>
-            <a:fld id="{69AC22DC-E6EF-4EA9-B86D-A61A9857369C}" type="slidenum">
+            <a:fld id="{CC3EAC54-34B1-4DB3-A1EF-0AFAA5CE104B}" type="slidenum">
               <a:rPr lang="zh-CN" altLang="en-US" smtClean="0"/>
               <a:t>‹#›</a:t>
             </a:fld>
@@ -921,7 +921,7 @@
     </p:spTree>
     <p:extLst>
       <p:ext uri="{BB962C8B-B14F-4D97-AF65-F5344CB8AC3E}">
-        <p14:creationId xmlns:p14="http://schemas.microsoft.com/office/powerpoint/2010/main" val="2516480897"/>
+        <p14:creationId xmlns:p14="http://schemas.microsoft.com/office/powerpoint/2010/main" val="689792831"/>
       </p:ext>
     </p:extLst>
   </p:cSld>
@@ -953,7 +953,7 @@
           <p:cNvPr id="2" name="标题 1">
             <a:extLst>
               <a:ext uri="{FF2B5EF4-FFF2-40B4-BE49-F238E27FC236}">
-                <a16:creationId xmlns:a16="http://schemas.microsoft.com/office/drawing/2014/main" id="{7E692F44-10F9-BA68-6463-3A5C7868AC3F}"/>
+                <a16:creationId xmlns:a16="http://schemas.microsoft.com/office/drawing/2014/main" id="{ABBC470D-293B-1D36-0CCC-BBAF79CADFA0}"/>
               </a:ext>
             </a:extLst>
           </p:cNvPr>
@@ -990,7 +990,7 @@
           <p:cNvPr id="3" name="文本占位符 2">
             <a:extLst>
               <a:ext uri="{FF2B5EF4-FFF2-40B4-BE49-F238E27FC236}">
-                <a16:creationId xmlns:a16="http://schemas.microsoft.com/office/drawing/2014/main" id="{7AB59786-1832-8226-AD5D-2DB5F452817B}"/>
+                <a16:creationId xmlns:a16="http://schemas.microsoft.com/office/drawing/2014/main" id="{4A213648-E4FF-0C4F-BD01-AFA945A2871A}"/>
               </a:ext>
             </a:extLst>
           </p:cNvPr>
@@ -1115,7 +1115,7 @@
           <p:cNvPr id="4" name="日期占位符 3">
             <a:extLst>
               <a:ext uri="{FF2B5EF4-FFF2-40B4-BE49-F238E27FC236}">
-                <a16:creationId xmlns:a16="http://schemas.microsoft.com/office/drawing/2014/main" id="{2B40552E-204C-7BA9-651A-0564F2B87D54}"/>
+                <a16:creationId xmlns:a16="http://schemas.microsoft.com/office/drawing/2014/main" id="{0477A5C6-DABC-F90C-1EF4-54CA66E19948}"/>
               </a:ext>
             </a:extLst>
           </p:cNvPr>
@@ -1131,7 +1131,7 @@
           <a:bodyPr/>
           <a:lstStyle/>
           <a:p>
-            <a:fld id="{F584C7D0-29D2-4B62-B399-2941E5CE69C8}" type="datetimeFigureOut">
+            <a:fld id="{80D721B4-9A0C-442B-A086-79C6C7DABC7B}" type="datetimeFigureOut">
               <a:rPr lang="zh-CN" altLang="en-US" smtClean="0"/>
               <a:t>2024/3/10</a:t>
             </a:fld>
@@ -1144,7 +1144,7 @@
           <p:cNvPr id="5" name="页脚占位符 4">
             <a:extLst>
               <a:ext uri="{FF2B5EF4-FFF2-40B4-BE49-F238E27FC236}">
-                <a16:creationId xmlns:a16="http://schemas.microsoft.com/office/drawing/2014/main" id="{B1BB1F9F-B416-77EF-F14E-DF424442994A}"/>
+                <a16:creationId xmlns:a16="http://schemas.microsoft.com/office/drawing/2014/main" id="{45BB8CED-B313-ED64-DD1A-19E85282DA40}"/>
               </a:ext>
             </a:extLst>
           </p:cNvPr>
@@ -1169,7 +1169,7 @@
           <p:cNvPr id="6" name="灯片编号占位符 5">
             <a:extLst>
               <a:ext uri="{FF2B5EF4-FFF2-40B4-BE49-F238E27FC236}">
-                <a16:creationId xmlns:a16="http://schemas.microsoft.com/office/drawing/2014/main" id="{614EE81D-8180-2A54-6FCE-1E3EB5F7FDD5}"/>
+                <a16:creationId xmlns:a16="http://schemas.microsoft.com/office/drawing/2014/main" id="{010F91BE-0528-ACF1-97AD-D2EA49AA7CC8}"/>
               </a:ext>
             </a:extLst>
           </p:cNvPr>
@@ -1185,7 +1185,7 @@
           <a:bodyPr/>
           <a:lstStyle/>
           <a:p>
-            <a:fld id="{69AC22DC-E6EF-4EA9-B86D-A61A9857369C}" type="slidenum">
+            <a:fld id="{CC3EAC54-34B1-4DB3-A1EF-0AFAA5CE104B}" type="slidenum">
               <a:rPr lang="zh-CN" altLang="en-US" smtClean="0"/>
               <a:t>‹#›</a:t>
             </a:fld>
@@ -1196,7 +1196,7 @@
     </p:spTree>
     <p:extLst>
       <p:ext uri="{BB962C8B-B14F-4D97-AF65-F5344CB8AC3E}">
-        <p14:creationId xmlns:p14="http://schemas.microsoft.com/office/powerpoint/2010/main" val="1485692988"/>
+        <p14:creationId xmlns:p14="http://schemas.microsoft.com/office/powerpoint/2010/main" val="1650274784"/>
       </p:ext>
     </p:extLst>
   </p:cSld>
@@ -1228,7 +1228,7 @@
           <p:cNvPr id="2" name="标题 1">
             <a:extLst>
               <a:ext uri="{FF2B5EF4-FFF2-40B4-BE49-F238E27FC236}">
-                <a16:creationId xmlns:a16="http://schemas.microsoft.com/office/drawing/2014/main" id="{3039FA4C-984F-C002-D7FD-32F374FCD7EA}"/>
+                <a16:creationId xmlns:a16="http://schemas.microsoft.com/office/drawing/2014/main" id="{1127A9AB-2454-A4EA-31B3-1A7A3A4040B0}"/>
               </a:ext>
             </a:extLst>
           </p:cNvPr>
@@ -1256,7 +1256,7 @@
           <p:cNvPr id="3" name="内容占位符 2">
             <a:extLst>
               <a:ext uri="{FF2B5EF4-FFF2-40B4-BE49-F238E27FC236}">
-                <a16:creationId xmlns:a16="http://schemas.microsoft.com/office/drawing/2014/main" id="{FD2B6C46-DB02-E35E-CB4D-452DDCB4B395}"/>
+                <a16:creationId xmlns:a16="http://schemas.microsoft.com/office/drawing/2014/main" id="{3034827B-A0EA-6B42-4458-FDA3878D5F21}"/>
               </a:ext>
             </a:extLst>
           </p:cNvPr>
@@ -1318,7 +1318,7 @@
           <p:cNvPr id="4" name="内容占位符 3">
             <a:extLst>
               <a:ext uri="{FF2B5EF4-FFF2-40B4-BE49-F238E27FC236}">
-                <a16:creationId xmlns:a16="http://schemas.microsoft.com/office/drawing/2014/main" id="{A984CD5A-8051-A186-4957-66167798D2F0}"/>
+                <a16:creationId xmlns:a16="http://schemas.microsoft.com/office/drawing/2014/main" id="{B0B145BA-0313-8155-D2CC-EAECC76F89F8}"/>
               </a:ext>
             </a:extLst>
           </p:cNvPr>
@@ -1380,7 +1380,7 @@
           <p:cNvPr id="5" name="日期占位符 4">
             <a:extLst>
               <a:ext uri="{FF2B5EF4-FFF2-40B4-BE49-F238E27FC236}">
-                <a16:creationId xmlns:a16="http://schemas.microsoft.com/office/drawing/2014/main" id="{87963C3E-E0BD-5F60-0E81-2CE7569B2E5C}"/>
+                <a16:creationId xmlns:a16="http://schemas.microsoft.com/office/drawing/2014/main" id="{42623393-A54F-BAB9-24D3-177B1AB1A1FF}"/>
               </a:ext>
             </a:extLst>
           </p:cNvPr>
@@ -1396,7 +1396,7 @@
           <a:bodyPr/>
           <a:lstStyle/>
           <a:p>
-            <a:fld id="{F584C7D0-29D2-4B62-B399-2941E5CE69C8}" type="datetimeFigureOut">
+            <a:fld id="{80D721B4-9A0C-442B-A086-79C6C7DABC7B}" type="datetimeFigureOut">
               <a:rPr lang="zh-CN" altLang="en-US" smtClean="0"/>
               <a:t>2024/3/10</a:t>
             </a:fld>
@@ -1409,7 +1409,7 @@
           <p:cNvPr id="6" name="页脚占位符 5">
             <a:extLst>
               <a:ext uri="{FF2B5EF4-FFF2-40B4-BE49-F238E27FC236}">
-                <a16:creationId xmlns:a16="http://schemas.microsoft.com/office/drawing/2014/main" id="{42359F1A-C877-882B-8AE8-528E74122DE1}"/>
+                <a16:creationId xmlns:a16="http://schemas.microsoft.com/office/drawing/2014/main" id="{069AD317-B664-334C-1741-062D79C659D5}"/>
               </a:ext>
             </a:extLst>
           </p:cNvPr>
@@ -1434,7 +1434,7 @@
           <p:cNvPr id="7" name="灯片编号占位符 6">
             <a:extLst>
               <a:ext uri="{FF2B5EF4-FFF2-40B4-BE49-F238E27FC236}">
-                <a16:creationId xmlns:a16="http://schemas.microsoft.com/office/drawing/2014/main" id="{EC6F18BE-513F-47A3-6B4B-3AD00666BAA3}"/>
+                <a16:creationId xmlns:a16="http://schemas.microsoft.com/office/drawing/2014/main" id="{408216E1-B5E2-A042-44CE-45F4072D9B65}"/>
               </a:ext>
             </a:extLst>
           </p:cNvPr>
@@ -1450,7 +1450,7 @@
           <a:bodyPr/>
           <a:lstStyle/>
           <a:p>
-            <a:fld id="{69AC22DC-E6EF-4EA9-B86D-A61A9857369C}" type="slidenum">
+            <a:fld id="{CC3EAC54-34B1-4DB3-A1EF-0AFAA5CE104B}" type="slidenum">
               <a:rPr lang="zh-CN" altLang="en-US" smtClean="0"/>
               <a:t>‹#›</a:t>
             </a:fld>
@@ -1461,7 +1461,7 @@
     </p:spTree>
     <p:extLst>
       <p:ext uri="{BB962C8B-B14F-4D97-AF65-F5344CB8AC3E}">
-        <p14:creationId xmlns:p14="http://schemas.microsoft.com/office/powerpoint/2010/main" val="3029203117"/>
+        <p14:creationId xmlns:p14="http://schemas.microsoft.com/office/powerpoint/2010/main" val="368974943"/>
       </p:ext>
     </p:extLst>
   </p:cSld>
@@ -1493,7 +1493,7 @@
           <p:cNvPr id="2" name="标题 1">
             <a:extLst>
               <a:ext uri="{FF2B5EF4-FFF2-40B4-BE49-F238E27FC236}">
-                <a16:creationId xmlns:a16="http://schemas.microsoft.com/office/drawing/2014/main" id="{A8A53361-7EA4-267B-F9CB-44EF33AC47DA}"/>
+                <a16:creationId xmlns:a16="http://schemas.microsoft.com/office/drawing/2014/main" id="{1C388A39-D688-BB4B-28CF-D5D0849A9995}"/>
               </a:ext>
             </a:extLst>
           </p:cNvPr>
@@ -1526,7 +1526,7 @@
           <p:cNvPr id="3" name="文本占位符 2">
             <a:extLst>
               <a:ext uri="{FF2B5EF4-FFF2-40B4-BE49-F238E27FC236}">
-                <a16:creationId xmlns:a16="http://schemas.microsoft.com/office/drawing/2014/main" id="{58951221-B88B-71BE-BC19-0CCDA1DA7242}"/>
+                <a16:creationId xmlns:a16="http://schemas.microsoft.com/office/drawing/2014/main" id="{1C1BC260-C4DA-D66C-D5AF-2060FAF4E9C7}"/>
               </a:ext>
             </a:extLst>
           </p:cNvPr>
@@ -1597,7 +1597,7 @@
           <p:cNvPr id="4" name="内容占位符 3">
             <a:extLst>
               <a:ext uri="{FF2B5EF4-FFF2-40B4-BE49-F238E27FC236}">
-                <a16:creationId xmlns:a16="http://schemas.microsoft.com/office/drawing/2014/main" id="{FA51A2B3-CE25-DFC9-560D-673C9EBAAA4F}"/>
+                <a16:creationId xmlns:a16="http://schemas.microsoft.com/office/drawing/2014/main" id="{6F9AD13A-D934-CED2-5DC9-2884F791083B}"/>
               </a:ext>
             </a:extLst>
           </p:cNvPr>
@@ -1659,7 +1659,7 @@
           <p:cNvPr id="5" name="文本占位符 4">
             <a:extLst>
               <a:ext uri="{FF2B5EF4-FFF2-40B4-BE49-F238E27FC236}">
-                <a16:creationId xmlns:a16="http://schemas.microsoft.com/office/drawing/2014/main" id="{CC8C38F6-D995-5085-8785-BB91B841B4EF}"/>
+                <a16:creationId xmlns:a16="http://schemas.microsoft.com/office/drawing/2014/main" id="{26A623BA-FB9D-66B2-790D-683F10C0FF53}"/>
               </a:ext>
             </a:extLst>
           </p:cNvPr>
@@ -1730,7 +1730,7 @@
           <p:cNvPr id="6" name="内容占位符 5">
             <a:extLst>
               <a:ext uri="{FF2B5EF4-FFF2-40B4-BE49-F238E27FC236}">
-                <a16:creationId xmlns:a16="http://schemas.microsoft.com/office/drawing/2014/main" id="{1A958FD5-119A-F86D-255F-70552A681281}"/>
+                <a16:creationId xmlns:a16="http://schemas.microsoft.com/office/drawing/2014/main" id="{6720E27C-4FB6-EC6D-9A9F-31351D7A33D6}"/>
               </a:ext>
             </a:extLst>
           </p:cNvPr>
@@ -1792,7 +1792,7 @@
           <p:cNvPr id="7" name="日期占位符 6">
             <a:extLst>
               <a:ext uri="{FF2B5EF4-FFF2-40B4-BE49-F238E27FC236}">
-                <a16:creationId xmlns:a16="http://schemas.microsoft.com/office/drawing/2014/main" id="{EA9CC591-010D-2767-62B9-F042CA983175}"/>
+                <a16:creationId xmlns:a16="http://schemas.microsoft.com/office/drawing/2014/main" id="{D2620D50-2897-E7CE-A695-47DCD0D1C2E0}"/>
               </a:ext>
             </a:extLst>
           </p:cNvPr>
@@ -1808,7 +1808,7 @@
           <a:bodyPr/>
           <a:lstStyle/>
           <a:p>
-            <a:fld id="{F584C7D0-29D2-4B62-B399-2941E5CE69C8}" type="datetimeFigureOut">
+            <a:fld id="{80D721B4-9A0C-442B-A086-79C6C7DABC7B}" type="datetimeFigureOut">
               <a:rPr lang="zh-CN" altLang="en-US" smtClean="0"/>
               <a:t>2024/3/10</a:t>
             </a:fld>
@@ -1821,7 +1821,7 @@
           <p:cNvPr id="8" name="页脚占位符 7">
             <a:extLst>
               <a:ext uri="{FF2B5EF4-FFF2-40B4-BE49-F238E27FC236}">
-                <a16:creationId xmlns:a16="http://schemas.microsoft.com/office/drawing/2014/main" id="{65A5DC46-7F33-4500-F64B-26AAFD64375F}"/>
+                <a16:creationId xmlns:a16="http://schemas.microsoft.com/office/drawing/2014/main" id="{5CFFCD48-D5D8-057E-CA2A-14E8EDD02530}"/>
               </a:ext>
             </a:extLst>
           </p:cNvPr>
@@ -1846,7 +1846,7 @@
           <p:cNvPr id="9" name="灯片编号占位符 8">
             <a:extLst>
               <a:ext uri="{FF2B5EF4-FFF2-40B4-BE49-F238E27FC236}">
-                <a16:creationId xmlns:a16="http://schemas.microsoft.com/office/drawing/2014/main" id="{55EEABC5-D98E-253A-B3EB-32CD4672CB82}"/>
+                <a16:creationId xmlns:a16="http://schemas.microsoft.com/office/drawing/2014/main" id="{D5B43382-8B77-84B7-05BE-63A5EDDA920E}"/>
               </a:ext>
             </a:extLst>
           </p:cNvPr>
@@ -1862,7 +1862,7 @@
           <a:bodyPr/>
           <a:lstStyle/>
           <a:p>
-            <a:fld id="{69AC22DC-E6EF-4EA9-B86D-A61A9857369C}" type="slidenum">
+            <a:fld id="{CC3EAC54-34B1-4DB3-A1EF-0AFAA5CE104B}" type="slidenum">
               <a:rPr lang="zh-CN" altLang="en-US" smtClean="0"/>
               <a:t>‹#›</a:t>
             </a:fld>
@@ -1873,7 +1873,7 @@
     </p:spTree>
     <p:extLst>
       <p:ext uri="{BB962C8B-B14F-4D97-AF65-F5344CB8AC3E}">
-        <p14:creationId xmlns:p14="http://schemas.microsoft.com/office/powerpoint/2010/main" val="563269621"/>
+        <p14:creationId xmlns:p14="http://schemas.microsoft.com/office/powerpoint/2010/main" val="1902597870"/>
       </p:ext>
     </p:extLst>
   </p:cSld>
@@ -1905,7 +1905,7 @@
           <p:cNvPr id="2" name="标题 1">
             <a:extLst>
               <a:ext uri="{FF2B5EF4-FFF2-40B4-BE49-F238E27FC236}">
-                <a16:creationId xmlns:a16="http://schemas.microsoft.com/office/drawing/2014/main" id="{18517D15-1820-6A34-23E5-1365D220A29D}"/>
+                <a16:creationId xmlns:a16="http://schemas.microsoft.com/office/drawing/2014/main" id="{591A71F2-FC3E-F292-560C-D775D36C6E03}"/>
               </a:ext>
             </a:extLst>
           </p:cNvPr>
@@ -1933,7 +1933,7 @@
           <p:cNvPr id="3" name="日期占位符 2">
             <a:extLst>
               <a:ext uri="{FF2B5EF4-FFF2-40B4-BE49-F238E27FC236}">
-                <a16:creationId xmlns:a16="http://schemas.microsoft.com/office/drawing/2014/main" id="{75F9D2D5-08FF-94A4-22A4-BA0ABBDF46A4}"/>
+                <a16:creationId xmlns:a16="http://schemas.microsoft.com/office/drawing/2014/main" id="{A6E028E6-4D97-CB46-65DF-6D673DCDE878}"/>
               </a:ext>
             </a:extLst>
           </p:cNvPr>
@@ -1949,7 +1949,7 @@
           <a:bodyPr/>
           <a:lstStyle/>
           <a:p>
-            <a:fld id="{F584C7D0-29D2-4B62-B399-2941E5CE69C8}" type="datetimeFigureOut">
+            <a:fld id="{80D721B4-9A0C-442B-A086-79C6C7DABC7B}" type="datetimeFigureOut">
               <a:rPr lang="zh-CN" altLang="en-US" smtClean="0"/>
               <a:t>2024/3/10</a:t>
             </a:fld>
@@ -1962,7 +1962,7 @@
           <p:cNvPr id="4" name="页脚占位符 3">
             <a:extLst>
               <a:ext uri="{FF2B5EF4-FFF2-40B4-BE49-F238E27FC236}">
-                <a16:creationId xmlns:a16="http://schemas.microsoft.com/office/drawing/2014/main" id="{0DB7583F-76DB-8FA7-4FC6-B2FCA8211BE2}"/>
+                <a16:creationId xmlns:a16="http://schemas.microsoft.com/office/drawing/2014/main" id="{071E4017-70B2-C499-802B-617AF28E5C8E}"/>
               </a:ext>
             </a:extLst>
           </p:cNvPr>
@@ -1987,7 +1987,7 @@
           <p:cNvPr id="5" name="灯片编号占位符 4">
             <a:extLst>
               <a:ext uri="{FF2B5EF4-FFF2-40B4-BE49-F238E27FC236}">
-                <a16:creationId xmlns:a16="http://schemas.microsoft.com/office/drawing/2014/main" id="{6D22B4BE-D3DA-8D90-E4BC-DF17E639D26A}"/>
+                <a16:creationId xmlns:a16="http://schemas.microsoft.com/office/drawing/2014/main" id="{F811DB97-1D60-078D-70BA-5314B81A2CB7}"/>
               </a:ext>
             </a:extLst>
           </p:cNvPr>
@@ -2003,7 +2003,7 @@
           <a:bodyPr/>
           <a:lstStyle/>
           <a:p>
-            <a:fld id="{69AC22DC-E6EF-4EA9-B86D-A61A9857369C}" type="slidenum">
+            <a:fld id="{CC3EAC54-34B1-4DB3-A1EF-0AFAA5CE104B}" type="slidenum">
               <a:rPr lang="zh-CN" altLang="en-US" smtClean="0"/>
               <a:t>‹#›</a:t>
             </a:fld>
@@ -2014,7 +2014,7 @@
     </p:spTree>
     <p:extLst>
       <p:ext uri="{BB962C8B-B14F-4D97-AF65-F5344CB8AC3E}">
-        <p14:creationId xmlns:p14="http://schemas.microsoft.com/office/powerpoint/2010/main" val="3581443360"/>
+        <p14:creationId xmlns:p14="http://schemas.microsoft.com/office/powerpoint/2010/main" val="1981078888"/>
       </p:ext>
     </p:extLst>
   </p:cSld>
@@ -2046,7 +2046,7 @@
           <p:cNvPr id="2" name="日期占位符 1">
             <a:extLst>
               <a:ext uri="{FF2B5EF4-FFF2-40B4-BE49-F238E27FC236}">
-                <a16:creationId xmlns:a16="http://schemas.microsoft.com/office/drawing/2014/main" id="{77879710-1D94-B685-21F4-001C58ACDE3B}"/>
+                <a16:creationId xmlns:a16="http://schemas.microsoft.com/office/drawing/2014/main" id="{2560516A-5F9E-B50A-3F1B-FB06FAE99682}"/>
               </a:ext>
             </a:extLst>
           </p:cNvPr>
@@ -2062,7 +2062,7 @@
           <a:bodyPr/>
           <a:lstStyle/>
           <a:p>
-            <a:fld id="{F584C7D0-29D2-4B62-B399-2941E5CE69C8}" type="datetimeFigureOut">
+            <a:fld id="{80D721B4-9A0C-442B-A086-79C6C7DABC7B}" type="datetimeFigureOut">
               <a:rPr lang="zh-CN" altLang="en-US" smtClean="0"/>
               <a:t>2024/3/10</a:t>
             </a:fld>
@@ -2075,7 +2075,7 @@
           <p:cNvPr id="3" name="页脚占位符 2">
             <a:extLst>
               <a:ext uri="{FF2B5EF4-FFF2-40B4-BE49-F238E27FC236}">
-                <a16:creationId xmlns:a16="http://schemas.microsoft.com/office/drawing/2014/main" id="{7B4AC8D5-A048-FD84-886F-F5862E9FBC77}"/>
+                <a16:creationId xmlns:a16="http://schemas.microsoft.com/office/drawing/2014/main" id="{F79C4482-810F-4E8B-7DD0-88B34D065128}"/>
               </a:ext>
             </a:extLst>
           </p:cNvPr>
@@ -2100,7 +2100,7 @@
           <p:cNvPr id="4" name="灯片编号占位符 3">
             <a:extLst>
               <a:ext uri="{FF2B5EF4-FFF2-40B4-BE49-F238E27FC236}">
-                <a16:creationId xmlns:a16="http://schemas.microsoft.com/office/drawing/2014/main" id="{48EA40DD-95AF-5E95-4BDC-E5643B91E2FD}"/>
+                <a16:creationId xmlns:a16="http://schemas.microsoft.com/office/drawing/2014/main" id="{8C5917D8-C18B-9455-7921-887D5542CEC9}"/>
               </a:ext>
             </a:extLst>
           </p:cNvPr>
@@ -2116,7 +2116,7 @@
           <a:bodyPr/>
           <a:lstStyle/>
           <a:p>
-            <a:fld id="{69AC22DC-E6EF-4EA9-B86D-A61A9857369C}" type="slidenum">
+            <a:fld id="{CC3EAC54-34B1-4DB3-A1EF-0AFAA5CE104B}" type="slidenum">
               <a:rPr lang="zh-CN" altLang="en-US" smtClean="0"/>
               <a:t>‹#›</a:t>
             </a:fld>
@@ -2127,7 +2127,7 @@
     </p:spTree>
     <p:extLst>
       <p:ext uri="{BB962C8B-B14F-4D97-AF65-F5344CB8AC3E}">
-        <p14:creationId xmlns:p14="http://schemas.microsoft.com/office/powerpoint/2010/main" val="3155322228"/>
+        <p14:creationId xmlns:p14="http://schemas.microsoft.com/office/powerpoint/2010/main" val="15931785"/>
       </p:ext>
     </p:extLst>
   </p:cSld>
@@ -2159,7 +2159,7 @@
           <p:cNvPr id="2" name="标题 1">
             <a:extLst>
               <a:ext uri="{FF2B5EF4-FFF2-40B4-BE49-F238E27FC236}">
-                <a16:creationId xmlns:a16="http://schemas.microsoft.com/office/drawing/2014/main" id="{F3DA2844-06AC-21A7-EA1C-7F1D085D95E8}"/>
+                <a16:creationId xmlns:a16="http://schemas.microsoft.com/office/drawing/2014/main" id="{C8CB64F8-4FDE-3EE2-AF66-FF03C0BFCE42}"/>
               </a:ext>
             </a:extLst>
           </p:cNvPr>
@@ -2196,7 +2196,7 @@
           <p:cNvPr id="3" name="内容占位符 2">
             <a:extLst>
               <a:ext uri="{FF2B5EF4-FFF2-40B4-BE49-F238E27FC236}">
-                <a16:creationId xmlns:a16="http://schemas.microsoft.com/office/drawing/2014/main" id="{73CC63D5-B30E-5C76-5C7D-5D7AE83ECDBD}"/>
+                <a16:creationId xmlns:a16="http://schemas.microsoft.com/office/drawing/2014/main" id="{29B3D6ED-B8AE-979A-8D4C-BE5DD2DA0910}"/>
               </a:ext>
             </a:extLst>
           </p:cNvPr>
@@ -2286,7 +2286,7 @@
           <p:cNvPr id="4" name="文本占位符 3">
             <a:extLst>
               <a:ext uri="{FF2B5EF4-FFF2-40B4-BE49-F238E27FC236}">
-                <a16:creationId xmlns:a16="http://schemas.microsoft.com/office/drawing/2014/main" id="{8356FAB8-79E8-B406-4FFA-12C93571617C}"/>
+                <a16:creationId xmlns:a16="http://schemas.microsoft.com/office/drawing/2014/main" id="{F128D3CA-C09B-ABDF-33B1-D1F1E769D545}"/>
               </a:ext>
             </a:extLst>
           </p:cNvPr>
@@ -2357,7 +2357,7 @@
           <p:cNvPr id="5" name="日期占位符 4">
             <a:extLst>
               <a:ext uri="{FF2B5EF4-FFF2-40B4-BE49-F238E27FC236}">
-                <a16:creationId xmlns:a16="http://schemas.microsoft.com/office/drawing/2014/main" id="{AE051A50-62B6-2CF6-39E6-AD99AEE27E85}"/>
+                <a16:creationId xmlns:a16="http://schemas.microsoft.com/office/drawing/2014/main" id="{22B335A5-7B0F-D890-E16C-2D2A5EEC6DAB}"/>
               </a:ext>
             </a:extLst>
           </p:cNvPr>
@@ -2373,7 +2373,7 @@
           <a:bodyPr/>
           <a:lstStyle/>
           <a:p>
-            <a:fld id="{F584C7D0-29D2-4B62-B399-2941E5CE69C8}" type="datetimeFigureOut">
+            <a:fld id="{80D721B4-9A0C-442B-A086-79C6C7DABC7B}" type="datetimeFigureOut">
               <a:rPr lang="zh-CN" altLang="en-US" smtClean="0"/>
               <a:t>2024/3/10</a:t>
             </a:fld>
@@ -2386,7 +2386,7 @@
           <p:cNvPr id="6" name="页脚占位符 5">
             <a:extLst>
               <a:ext uri="{FF2B5EF4-FFF2-40B4-BE49-F238E27FC236}">
-                <a16:creationId xmlns:a16="http://schemas.microsoft.com/office/drawing/2014/main" id="{704EC1FC-64D8-5A8E-9223-A8F1254CCFF2}"/>
+                <a16:creationId xmlns:a16="http://schemas.microsoft.com/office/drawing/2014/main" id="{F1CB2DD7-57E1-97CE-444E-0FAD73803171}"/>
               </a:ext>
             </a:extLst>
           </p:cNvPr>
@@ -2411,7 +2411,7 @@
           <p:cNvPr id="7" name="灯片编号占位符 6">
             <a:extLst>
               <a:ext uri="{FF2B5EF4-FFF2-40B4-BE49-F238E27FC236}">
-                <a16:creationId xmlns:a16="http://schemas.microsoft.com/office/drawing/2014/main" id="{961B2C55-6325-A6E2-CEA5-9E3445562124}"/>
+                <a16:creationId xmlns:a16="http://schemas.microsoft.com/office/drawing/2014/main" id="{5F87961C-6F17-DEA1-F7E8-96F605AB3653}"/>
               </a:ext>
             </a:extLst>
           </p:cNvPr>
@@ -2427,7 +2427,7 @@
           <a:bodyPr/>
           <a:lstStyle/>
           <a:p>
-            <a:fld id="{69AC22DC-E6EF-4EA9-B86D-A61A9857369C}" type="slidenum">
+            <a:fld id="{CC3EAC54-34B1-4DB3-A1EF-0AFAA5CE104B}" type="slidenum">
               <a:rPr lang="zh-CN" altLang="en-US" smtClean="0"/>
               <a:t>‹#›</a:t>
             </a:fld>
@@ -2438,7 +2438,7 @@
     </p:spTree>
     <p:extLst>
       <p:ext uri="{BB962C8B-B14F-4D97-AF65-F5344CB8AC3E}">
-        <p14:creationId xmlns:p14="http://schemas.microsoft.com/office/powerpoint/2010/main" val="2712875251"/>
+        <p14:creationId xmlns:p14="http://schemas.microsoft.com/office/powerpoint/2010/main" val="1537172688"/>
       </p:ext>
     </p:extLst>
   </p:cSld>
@@ -2470,7 +2470,7 @@
           <p:cNvPr id="2" name="标题 1">
             <a:extLst>
               <a:ext uri="{FF2B5EF4-FFF2-40B4-BE49-F238E27FC236}">
-                <a16:creationId xmlns:a16="http://schemas.microsoft.com/office/drawing/2014/main" id="{B2DAC2CD-0877-4D4B-E4E8-E948E771C3E4}"/>
+                <a16:creationId xmlns:a16="http://schemas.microsoft.com/office/drawing/2014/main" id="{858C7306-C887-E9D9-79B6-3A81B718FE00}"/>
               </a:ext>
             </a:extLst>
           </p:cNvPr>
@@ -2507,7 +2507,7 @@
           <p:cNvPr id="3" name="图片占位符 2">
             <a:extLst>
               <a:ext uri="{FF2B5EF4-FFF2-40B4-BE49-F238E27FC236}">
-                <a16:creationId xmlns:a16="http://schemas.microsoft.com/office/drawing/2014/main" id="{B5099062-2542-9E10-D27C-8A96C9208DBA}"/>
+                <a16:creationId xmlns:a16="http://schemas.microsoft.com/office/drawing/2014/main" id="{240C6142-A746-B46F-47BA-9AD4BA901829}"/>
               </a:ext>
             </a:extLst>
           </p:cNvPr>
@@ -2574,7 +2574,7 @@
           <p:cNvPr id="4" name="文本占位符 3">
             <a:extLst>
               <a:ext uri="{FF2B5EF4-FFF2-40B4-BE49-F238E27FC236}">
-                <a16:creationId xmlns:a16="http://schemas.microsoft.com/office/drawing/2014/main" id="{FBD3B85B-4CFE-A54F-8FC5-BA0971A36322}"/>
+                <a16:creationId xmlns:a16="http://schemas.microsoft.com/office/drawing/2014/main" id="{DA8215E7-2CCB-2123-EBEB-F35CF5491AB5}"/>
               </a:ext>
             </a:extLst>
           </p:cNvPr>
@@ -2645,7 +2645,7 @@
           <p:cNvPr id="5" name="日期占位符 4">
             <a:extLst>
               <a:ext uri="{FF2B5EF4-FFF2-40B4-BE49-F238E27FC236}">
-                <a16:creationId xmlns:a16="http://schemas.microsoft.com/office/drawing/2014/main" id="{840E16AB-A3F6-139E-15BD-E3A542B1D306}"/>
+                <a16:creationId xmlns:a16="http://schemas.microsoft.com/office/drawing/2014/main" id="{BBC634BF-6C9F-ADE4-9EFE-CC9A55F3BFB4}"/>
               </a:ext>
             </a:extLst>
           </p:cNvPr>
@@ -2661,7 +2661,7 @@
           <a:bodyPr/>
           <a:lstStyle/>
           <a:p>
-            <a:fld id="{F584C7D0-29D2-4B62-B399-2941E5CE69C8}" type="datetimeFigureOut">
+            <a:fld id="{80D721B4-9A0C-442B-A086-79C6C7DABC7B}" type="datetimeFigureOut">
               <a:rPr lang="zh-CN" altLang="en-US" smtClean="0"/>
               <a:t>2024/3/10</a:t>
             </a:fld>
@@ -2674,7 +2674,7 @@
           <p:cNvPr id="6" name="页脚占位符 5">
             <a:extLst>
               <a:ext uri="{FF2B5EF4-FFF2-40B4-BE49-F238E27FC236}">
-                <a16:creationId xmlns:a16="http://schemas.microsoft.com/office/drawing/2014/main" id="{135F63C8-76B2-8BEE-4166-978B8A1E8CE5}"/>
+                <a16:creationId xmlns:a16="http://schemas.microsoft.com/office/drawing/2014/main" id="{B0FEDDC8-726C-9C74-592E-4F7101B6BC9A}"/>
               </a:ext>
             </a:extLst>
           </p:cNvPr>
@@ -2699,7 +2699,7 @@
           <p:cNvPr id="7" name="灯片编号占位符 6">
             <a:extLst>
               <a:ext uri="{FF2B5EF4-FFF2-40B4-BE49-F238E27FC236}">
-                <a16:creationId xmlns:a16="http://schemas.microsoft.com/office/drawing/2014/main" id="{432EC1F6-11B2-BE54-6D35-8888334F3461}"/>
+                <a16:creationId xmlns:a16="http://schemas.microsoft.com/office/drawing/2014/main" id="{37654C4A-27CB-85E2-D444-D9111CBE3DC9}"/>
               </a:ext>
             </a:extLst>
           </p:cNvPr>
@@ -2715,7 +2715,7 @@
           <a:bodyPr/>
           <a:lstStyle/>
           <a:p>
-            <a:fld id="{69AC22DC-E6EF-4EA9-B86D-A61A9857369C}" type="slidenum">
+            <a:fld id="{CC3EAC54-34B1-4DB3-A1EF-0AFAA5CE104B}" type="slidenum">
               <a:rPr lang="zh-CN" altLang="en-US" smtClean="0"/>
               <a:t>‹#›</a:t>
             </a:fld>
@@ -2726,7 +2726,7 @@
     </p:spTree>
     <p:extLst>
       <p:ext uri="{BB962C8B-B14F-4D97-AF65-F5344CB8AC3E}">
-        <p14:creationId xmlns:p14="http://schemas.microsoft.com/office/powerpoint/2010/main" val="2197202005"/>
+        <p14:creationId xmlns:p14="http://schemas.microsoft.com/office/powerpoint/2010/main" val="2253075771"/>
       </p:ext>
     </p:extLst>
   </p:cSld>
@@ -2763,7 +2763,7 @@
           <p:cNvPr id="2" name="标题占位符 1">
             <a:extLst>
               <a:ext uri="{FF2B5EF4-FFF2-40B4-BE49-F238E27FC236}">
-                <a16:creationId xmlns:a16="http://schemas.microsoft.com/office/drawing/2014/main" id="{1F962EFC-8ACA-E0B6-4667-60F0E013C8ED}"/>
+                <a16:creationId xmlns:a16="http://schemas.microsoft.com/office/drawing/2014/main" id="{FA7C2582-9EFE-B3A2-F0A6-7C6C6CAD6748}"/>
               </a:ext>
             </a:extLst>
           </p:cNvPr>
@@ -2801,7 +2801,7 @@
           <p:cNvPr id="3" name="文本占位符 2">
             <a:extLst>
               <a:ext uri="{FF2B5EF4-FFF2-40B4-BE49-F238E27FC236}">
-                <a16:creationId xmlns:a16="http://schemas.microsoft.com/office/drawing/2014/main" id="{FE5F695B-89EE-6C1B-D71F-60EDE1C1BC57}"/>
+                <a16:creationId xmlns:a16="http://schemas.microsoft.com/office/drawing/2014/main" id="{71A5E648-1835-8208-D9CD-857A45AAE495}"/>
               </a:ext>
             </a:extLst>
           </p:cNvPr>
@@ -2868,7 +2868,7 @@
           <p:cNvPr id="4" name="日期占位符 3">
             <a:extLst>
               <a:ext uri="{FF2B5EF4-FFF2-40B4-BE49-F238E27FC236}">
-                <a16:creationId xmlns:a16="http://schemas.microsoft.com/office/drawing/2014/main" id="{56CE4DA3-7CE8-B144-2AA7-A91D234DEFF6}"/>
+                <a16:creationId xmlns:a16="http://schemas.microsoft.com/office/drawing/2014/main" id="{1C23A7E6-0458-8100-625F-AD529FE60EAE}"/>
               </a:ext>
             </a:extLst>
           </p:cNvPr>
@@ -2902,7 +2902,7 @@
             </a:lvl1pPr>
           </a:lstStyle>
           <a:p>
-            <a:fld id="{F584C7D0-29D2-4B62-B399-2941E5CE69C8}" type="datetimeFigureOut">
+            <a:fld id="{80D721B4-9A0C-442B-A086-79C6C7DABC7B}" type="datetimeFigureOut">
               <a:rPr lang="zh-CN" altLang="en-US" smtClean="0"/>
               <a:t>2024/3/10</a:t>
             </a:fld>
@@ -2915,7 +2915,7 @@
           <p:cNvPr id="5" name="页脚占位符 4">
             <a:extLst>
               <a:ext uri="{FF2B5EF4-FFF2-40B4-BE49-F238E27FC236}">
-                <a16:creationId xmlns:a16="http://schemas.microsoft.com/office/drawing/2014/main" id="{03568017-33B3-BD68-77C1-4105FFCC8C81}"/>
+                <a16:creationId xmlns:a16="http://schemas.microsoft.com/office/drawing/2014/main" id="{3F0A85D7-9E51-41CD-D7F5-8282CD79EEB6}"/>
               </a:ext>
             </a:extLst>
           </p:cNvPr>
@@ -2958,7 +2958,7 @@
           <p:cNvPr id="6" name="灯片编号占位符 5">
             <a:extLst>
               <a:ext uri="{FF2B5EF4-FFF2-40B4-BE49-F238E27FC236}">
-                <a16:creationId xmlns:a16="http://schemas.microsoft.com/office/drawing/2014/main" id="{D699CA32-B262-7D00-CF3E-8E3142846378}"/>
+                <a16:creationId xmlns:a16="http://schemas.microsoft.com/office/drawing/2014/main" id="{4FAF9D79-E4FD-368C-9D80-3381F6128526}"/>
               </a:ext>
             </a:extLst>
           </p:cNvPr>
@@ -2992,7 +2992,7 @@
             </a:lvl1pPr>
           </a:lstStyle>
           <a:p>
-            <a:fld id="{69AC22DC-E6EF-4EA9-B86D-A61A9857369C}" type="slidenum">
+            <a:fld id="{CC3EAC54-34B1-4DB3-A1EF-0AFAA5CE104B}" type="slidenum">
               <a:rPr lang="zh-CN" altLang="en-US" smtClean="0"/>
               <a:t>‹#›</a:t>
             </a:fld>
@@ -3003,7 +3003,7 @@
     </p:spTree>
     <p:extLst>
       <p:ext uri="{BB962C8B-B14F-4D97-AF65-F5344CB8AC3E}">
-        <p14:creationId xmlns:p14="http://schemas.microsoft.com/office/powerpoint/2010/main" val="1204448132"/>
+        <p14:creationId xmlns:p14="http://schemas.microsoft.com/office/powerpoint/2010/main" val="3072546123"/>
       </p:ext>
     </p:extLst>
   </p:cSld>
